--- a/data/EPLAN/API Showcase - EPLAN.pptx
+++ b/data/EPLAN/API Showcase - EPLAN.pptx
@@ -319,6 +319,11 @@
       </a:defRPr>
     </a:lvl9pPr>
   </p:defaultTextStyle>
+  <p:extLst>
+    <p:ext uri="{EFAFB233-063F-42B5-8137-9DF3F51BA10A}">
+      <p15:sldGuideLst xmlns:p15="http://schemas.microsoft.com/office/powerpoint/2012/main"/>
+    </p:ext>
+  </p:extLst>
 </p:presentation>
 </file>
 
@@ -2279,7 +2284,7 @@
           </a:ln>
           <a:extLst>
             <a:ext uri="{C572A759-6A51-4108-AA02-DFA0A04FC94B}">
-              <ma14:wrappingTextBoxFlag xmlns:ma14="http://schemas.microsoft.com/office/mac/drawingml/2011/main" xmlns:a14="http://schemas.microsoft.com/office/drawing/2010/main" xmlns:m="http://schemas.openxmlformats.org/officeDocument/2006/math" xmlns="" val="1"/>
+              <ma14:wrappingTextBoxFlag xmlns="" xmlns:m="http://schemas.openxmlformats.org/officeDocument/2006/math" xmlns:a14="http://schemas.microsoft.com/office/drawing/2010/main" xmlns:ma14="http://schemas.microsoft.com/office/mac/drawingml/2011/main" val="1"/>
             </a:ext>
           </a:extLst>
         </p:spPr>
@@ -2318,7 +2323,7 @@
           </a:ln>
           <a:extLst>
             <a:ext uri="{C572A759-6A51-4108-AA02-DFA0A04FC94B}">
-              <ma14:wrappingTextBoxFlag xmlns:ma14="http://schemas.microsoft.com/office/mac/drawingml/2011/main" xmlns:a14="http://schemas.microsoft.com/office/drawing/2010/main" xmlns:m="http://schemas.openxmlformats.org/officeDocument/2006/math" xmlns="" val="1"/>
+              <ma14:wrappingTextBoxFlag xmlns="" xmlns:m="http://schemas.openxmlformats.org/officeDocument/2006/math" xmlns:a14="http://schemas.microsoft.com/office/drawing/2010/main" xmlns:ma14="http://schemas.microsoft.com/office/mac/drawingml/2011/main" val="1"/>
             </a:ext>
           </a:extLst>
         </p:spPr>
@@ -3422,7 +3427,7 @@
           </a:ln>
           <a:extLst>
             <a:ext uri="{C572A759-6A51-4108-AA02-DFA0A04FC94B}">
-              <ma14:wrappingTextBoxFlag xmlns:ma14="http://schemas.microsoft.com/office/mac/drawingml/2011/main" xmlns:a14="http://schemas.microsoft.com/office/drawing/2010/main" xmlns:m="http://schemas.openxmlformats.org/officeDocument/2006/math" xmlns="" val="1"/>
+              <ma14:wrappingTextBoxFlag xmlns="" xmlns:m="http://schemas.openxmlformats.org/officeDocument/2006/math" xmlns:a14="http://schemas.microsoft.com/office/drawing/2010/main" xmlns:ma14="http://schemas.microsoft.com/office/mac/drawingml/2011/main" val="1"/>
             </a:ext>
           </a:extLst>
         </p:spPr>
@@ -3506,7 +3511,7 @@
         <p:push/>
       </p:transition>
     </mc:Choice>
-    <mc:Fallback xmlns:a14="http://schemas.microsoft.com/office/drawing/2010/main" xmlns:m="http://schemas.openxmlformats.org/officeDocument/2006/math" xmlns="">
+    <mc:Fallback xmlns="" xmlns:m="http://schemas.openxmlformats.org/officeDocument/2006/math" xmlns:a14="http://schemas.microsoft.com/office/drawing/2010/main">
       <p:transition spd="fast">
         <p:fade/>
       </p:transition>
@@ -3680,7 +3685,7 @@
         <p:push/>
       </p:transition>
     </mc:Choice>
-    <mc:Fallback xmlns:a14="http://schemas.microsoft.com/office/drawing/2010/main" xmlns:m="http://schemas.openxmlformats.org/officeDocument/2006/math" xmlns="">
+    <mc:Fallback xmlns="" xmlns:m="http://schemas.openxmlformats.org/officeDocument/2006/math" xmlns:a14="http://schemas.microsoft.com/office/drawing/2010/main">
       <p:transition spd="fast">
         <p:fade/>
       </p:transition>
@@ -3960,7 +3965,7 @@
         <p:push/>
       </p:transition>
     </mc:Choice>
-    <mc:Fallback xmlns:a14="http://schemas.microsoft.com/office/drawing/2010/main" xmlns:m="http://schemas.openxmlformats.org/officeDocument/2006/math" xmlns="">
+    <mc:Fallback xmlns="" xmlns:m="http://schemas.openxmlformats.org/officeDocument/2006/math" xmlns:a14="http://schemas.microsoft.com/office/drawing/2010/main">
       <p:transition spd="fast">
         <p:fade/>
       </p:transition>
@@ -4129,7 +4134,7 @@
           </a:ln>
           <a:extLst>
             <a:ext uri="{C572A759-6A51-4108-AA02-DFA0A04FC94B}">
-              <ma14:wrappingTextBoxFlag xmlns:ma14="http://schemas.microsoft.com/office/mac/drawingml/2011/main" xmlns:a14="http://schemas.microsoft.com/office/drawing/2010/main" xmlns:m="http://schemas.openxmlformats.org/officeDocument/2006/math" xmlns="" val="1"/>
+              <ma14:wrappingTextBoxFlag xmlns="" xmlns:m="http://schemas.openxmlformats.org/officeDocument/2006/math" xmlns:a14="http://schemas.microsoft.com/office/drawing/2010/main" xmlns:ma14="http://schemas.microsoft.com/office/mac/drawingml/2011/main" val="1"/>
             </a:ext>
           </a:extLst>
         </p:spPr>
@@ -4210,24 +4215,12 @@
               <a:defRPr sz="3200"/>
             </a:pPr>
             <a:r>
-              <a:rPr dirty="0" err="1"/>
-              <a:t>Kompletter</a:t>
-            </a:r>
-            <a:r>
-              <a:rPr dirty="0"/>
-              <a:t> </a:t>
-            </a:r>
-            <a:r>
-              <a:rPr dirty="0" err="1"/>
-              <a:t>Datenmodell</a:t>
-            </a:r>
-            <a:r>
-              <a:rPr dirty="0"/>
-              <a:t> </a:t>
-            </a:r>
-            <a:r>
-              <a:rPr dirty="0" err="1"/>
-              <a:t>Zugriff</a:t>
+              <a:rPr lang="de-DE" dirty="0"/>
+              <a:t>Addins &amp; Offline </a:t>
+            </a:r>
+            <a:r>
+              <a:rPr lang="de-DE" dirty="0" err="1"/>
+              <a:t>Applications</a:t>
             </a:r>
             <a:endParaRPr dirty="0"/>
           </a:p>
@@ -4281,7 +4274,7 @@
           </a:ln>
           <a:extLst>
             <a:ext uri="{C572A759-6A51-4108-AA02-DFA0A04FC94B}">
-              <ma14:wrappingTextBoxFlag xmlns:ma14="http://schemas.microsoft.com/office/mac/drawingml/2011/main" xmlns:a14="http://schemas.microsoft.com/office/drawing/2010/main" xmlns:m="http://schemas.openxmlformats.org/officeDocument/2006/math" xmlns="" val="1"/>
+              <ma14:wrappingTextBoxFlag xmlns="" xmlns:m="http://schemas.openxmlformats.org/officeDocument/2006/math" xmlns:a14="http://schemas.microsoft.com/office/drawing/2010/main" xmlns:ma14="http://schemas.microsoft.com/office/mac/drawingml/2011/main" val="1"/>
             </a:ext>
           </a:extLst>
         </p:spPr>
@@ -4317,7 +4310,7 @@
         <p:push/>
       </p:transition>
     </mc:Choice>
-    <mc:Fallback xmlns:a14="http://schemas.microsoft.com/office/drawing/2010/main" xmlns:m="http://schemas.openxmlformats.org/officeDocument/2006/math" xmlns="">
+    <mc:Fallback xmlns="" xmlns:m="http://schemas.openxmlformats.org/officeDocument/2006/math" xmlns:a14="http://schemas.microsoft.com/office/drawing/2010/main">
       <p:transition spd="fast">
         <p:fade/>
       </p:transition>
@@ -4489,7 +4482,7 @@
         <p:push/>
       </p:transition>
     </mc:Choice>
-    <mc:Fallback xmlns:a14="http://schemas.microsoft.com/office/drawing/2010/main" xmlns:m="http://schemas.openxmlformats.org/officeDocument/2006/math" xmlns="">
+    <mc:Fallback xmlns="" xmlns:m="http://schemas.openxmlformats.org/officeDocument/2006/math" xmlns:a14="http://schemas.microsoft.com/office/drawing/2010/main">
       <p:transition spd="fast">
         <p:fade/>
       </p:transition>
@@ -4602,7 +4595,7 @@
         <p:push/>
       </p:transition>
     </mc:Choice>
-    <mc:Fallback xmlns:a14="http://schemas.microsoft.com/office/drawing/2010/main" xmlns:m="http://schemas.openxmlformats.org/officeDocument/2006/math" xmlns="">
+    <mc:Fallback xmlns="" xmlns:m="http://schemas.openxmlformats.org/officeDocument/2006/math" xmlns:a14="http://schemas.microsoft.com/office/drawing/2010/main">
       <p:transition spd="fast">
         <p:fade/>
       </p:transition>
@@ -4779,7 +4772,7 @@
         <p:push/>
       </p:transition>
     </mc:Choice>
-    <mc:Fallback xmlns:a14="http://schemas.microsoft.com/office/drawing/2010/main" xmlns:m="http://schemas.openxmlformats.org/officeDocument/2006/math" xmlns="">
+    <mc:Fallback xmlns="" xmlns:m="http://schemas.openxmlformats.org/officeDocument/2006/math" xmlns:a14="http://schemas.microsoft.com/office/drawing/2010/main">
       <p:transition spd="fast">
         <p:fade/>
       </p:transition>
@@ -4892,7 +4885,7 @@
         <p:push/>
       </p:transition>
     </mc:Choice>
-    <mc:Fallback xmlns:a14="http://schemas.microsoft.com/office/drawing/2010/main" xmlns:m="http://schemas.openxmlformats.org/officeDocument/2006/math" xmlns="">
+    <mc:Fallback xmlns="" xmlns:m="http://schemas.openxmlformats.org/officeDocument/2006/math" xmlns:a14="http://schemas.microsoft.com/office/drawing/2010/main">
       <p:transition spd="fast">
         <p:fade/>
       </p:transition>
@@ -5048,7 +5041,7 @@
         <p:push/>
       </p:transition>
     </mc:Choice>
-    <mc:Fallback xmlns:a14="http://schemas.microsoft.com/office/drawing/2010/main" xmlns:m="http://schemas.openxmlformats.org/officeDocument/2006/math" xmlns="">
+    <mc:Fallback xmlns="" xmlns:m="http://schemas.openxmlformats.org/officeDocument/2006/math" xmlns:a14="http://schemas.microsoft.com/office/drawing/2010/main">
       <p:transition spd="fast">
         <p:fade/>
       </p:transition>

--- a/data/EPLAN/API Showcase - EPLAN.pptx
+++ b/data/EPLAN/API Showcase - EPLAN.pptx
@@ -320,6 +320,36 @@
     </a:lvl9pPr>
   </p:defaultTextStyle>
   <p:extLst>
+    <p:ext uri="{521415D9-36F7-43E2-AB2F-B90AF26B5E84}">
+      <p14:sectionLst xmlns:p14="http://schemas.microsoft.com/office/powerpoint/2010/main">
+        <p14:section name="Übersicht" id="{26279949-AC91-0D44-9E2A-89AA53A665BE}">
+          <p14:sldIdLst>
+            <p14:sldId id="256"/>
+            <p14:sldId id="257"/>
+            <p14:sldId id="258"/>
+            <p14:sldId id="259"/>
+          </p14:sldIdLst>
+        </p14:section>
+        <p14:section name="Scripting" id="{292F6480-E152-0C45-87C7-A2C780C0EF6E}">
+          <p14:sldIdLst>
+            <p14:sldId id="260"/>
+            <p14:sldId id="261"/>
+          </p14:sldIdLst>
+        </p14:section>
+        <p14:section name="API" id="{9C1F4233-4BBF-7A48-B612-3621CBE8D793}">
+          <p14:sldIdLst>
+            <p14:sldId id="262"/>
+            <p14:sldId id="263"/>
+          </p14:sldIdLst>
+        </p14:section>
+        <p14:section name="Abschluss" id="{A4D28707-1DA3-B541-96ED-9DA91EBA9D1C}">
+          <p14:sldIdLst>
+            <p14:sldId id="264"/>
+            <p14:sldId id="265"/>
+          </p14:sldIdLst>
+        </p14:section>
+      </p14:sectionLst>
+    </p:ext>
     <p:ext uri="{EFAFB233-063F-42B5-8137-9DF3F51BA10A}">
       <p15:sldGuideLst xmlns:p15="http://schemas.microsoft.com/office/powerpoint/2012/main"/>
     </p:ext>
@@ -510,6 +540,193 @@
 </p:notesMaster>
 </file>
 
+<file path=ppt/notesSlides/notesSlide1.xml><?xml version="1.0" encoding="utf-8"?>
+<p:notes xmlns:a="http://schemas.openxmlformats.org/drawingml/2006/main" xmlns:r="http://schemas.openxmlformats.org/officeDocument/2006/relationships" xmlns:p="http://schemas.openxmlformats.org/presentationml/2006/main">
+  <p:cSld>
+    <p:spTree>
+      <p:nvGrpSpPr>
+        <p:cNvPr id="1" name=""/>
+        <p:cNvGrpSpPr/>
+        <p:nvPr/>
+      </p:nvGrpSpPr>
+      <p:grpSpPr>
+        <a:xfrm>
+          <a:off x="0" y="0"/>
+          <a:ext cx="0" cy="0"/>
+          <a:chOff x="0" y="0"/>
+          <a:chExt cx="0" cy="0"/>
+        </a:xfrm>
+      </p:grpSpPr>
+      <p:sp>
+        <p:nvSpPr>
+          <p:cNvPr id="2" name="Folienbildplatzhalter 1"/>
+          <p:cNvSpPr>
+            <a:spLocks noGrp="1" noRot="1" noChangeAspect="1"/>
+          </p:cNvSpPr>
+          <p:nvPr>
+            <p:ph type="sldImg"/>
+          </p:nvPr>
+        </p:nvSpPr>
+        <p:spPr/>
+      </p:sp>
+      <p:sp>
+        <p:nvSpPr>
+          <p:cNvPr id="3" name="Notizenplatzhalter 2"/>
+          <p:cNvSpPr>
+            <a:spLocks noGrp="1"/>
+          </p:cNvSpPr>
+          <p:nvPr>
+            <p:ph type="body" idx="1"/>
+          </p:nvPr>
+        </p:nvSpPr>
+        <p:spPr/>
+        <p:txBody>
+          <a:bodyPr/>
+          <a:lstStyle/>
+          <a:p>
+            <a:endParaRPr lang="de-DE" dirty="0"/>
+          </a:p>
+        </p:txBody>
+      </p:sp>
+    </p:spTree>
+    <p:extLst>
+      <p:ext uri="{BB962C8B-B14F-4D97-AF65-F5344CB8AC3E}">
+        <p14:creationId xmlns:p14="http://schemas.microsoft.com/office/powerpoint/2010/main" val="798397883"/>
+      </p:ext>
+    </p:extLst>
+  </p:cSld>
+  <p:clrMapOvr>
+    <a:masterClrMapping/>
+  </p:clrMapOvr>
+</p:notes>
+</file>
+
+<file path=ppt/notesSlides/notesSlide2.xml><?xml version="1.0" encoding="utf-8"?>
+<p:notes xmlns:a="http://schemas.openxmlformats.org/drawingml/2006/main" xmlns:r="http://schemas.openxmlformats.org/officeDocument/2006/relationships" xmlns:p="http://schemas.openxmlformats.org/presentationml/2006/main">
+  <p:cSld>
+    <p:spTree>
+      <p:nvGrpSpPr>
+        <p:cNvPr id="1" name=""/>
+        <p:cNvGrpSpPr/>
+        <p:nvPr/>
+      </p:nvGrpSpPr>
+      <p:grpSpPr>
+        <a:xfrm>
+          <a:off x="0" y="0"/>
+          <a:ext cx="0" cy="0"/>
+          <a:chOff x="0" y="0"/>
+          <a:chExt cx="0" cy="0"/>
+        </a:xfrm>
+      </p:grpSpPr>
+      <p:sp>
+        <p:nvSpPr>
+          <p:cNvPr id="2" name="Folienbildplatzhalter 1"/>
+          <p:cNvSpPr>
+            <a:spLocks noGrp="1" noRot="1" noChangeAspect="1"/>
+          </p:cNvSpPr>
+          <p:nvPr>
+            <p:ph type="sldImg"/>
+          </p:nvPr>
+        </p:nvSpPr>
+        <p:spPr/>
+      </p:sp>
+      <p:sp>
+        <p:nvSpPr>
+          <p:cNvPr id="3" name="Notizenplatzhalter 2"/>
+          <p:cNvSpPr>
+            <a:spLocks noGrp="1"/>
+          </p:cNvSpPr>
+          <p:nvPr>
+            <p:ph type="body" idx="1"/>
+          </p:nvPr>
+        </p:nvSpPr>
+        <p:spPr/>
+        <p:txBody>
+          <a:bodyPr/>
+          <a:lstStyle/>
+          <a:p>
+            <a:r>
+              <a:rPr lang="de-DE" sz="2200" b="0" dirty="0">
+                <a:effectLst/>
+                <a:latin typeface="Helvetica Neue"/>
+                <a:ea typeface="Helvetica Neue"/>
+                <a:cs typeface="Helvetica Neue"/>
+                <a:sym typeface="Helvetica Neue"/>
+              </a:rPr>
+              <a:t>- EPLAN 2.7</a:t>
+            </a:r>
+          </a:p>
+          <a:p>
+            <a:r>
+              <a:rPr lang="de-DE" sz="2200" b="0" dirty="0">
+                <a:effectLst/>
+                <a:latin typeface="Helvetica Neue"/>
+                <a:ea typeface="Helvetica Neue"/>
+                <a:cs typeface="Helvetica Neue"/>
+                <a:sym typeface="Helvetica Neue"/>
+              </a:rPr>
+              <a:t>- .NET-Framework 4.5.2 (Scripting: </a:t>
+            </a:r>
+            <a:r>
+              <a:rPr lang="de-DE" sz="2200" b="0" dirty="0" err="1">
+                <a:effectLst/>
+                <a:latin typeface="Helvetica Neue"/>
+                <a:ea typeface="Helvetica Neue"/>
+                <a:cs typeface="Helvetica Neue"/>
+                <a:sym typeface="Helvetica Neue"/>
+              </a:rPr>
+              <a:t>CodeDomProvider</a:t>
+            </a:r>
+            <a:r>
+              <a:rPr lang="de-DE" sz="2200" b="0" dirty="0">
+                <a:effectLst/>
+                <a:latin typeface="Helvetica Neue"/>
+                <a:ea typeface="Helvetica Neue"/>
+                <a:cs typeface="Helvetica Neue"/>
+                <a:sym typeface="Helvetica Neue"/>
+              </a:rPr>
+              <a:t> C# 4)</a:t>
+            </a:r>
+          </a:p>
+          <a:p>
+            <a:r>
+              <a:rPr lang="de-DE" sz="2200" b="0" dirty="0">
+                <a:effectLst/>
+                <a:latin typeface="Helvetica Neue"/>
+                <a:ea typeface="Helvetica Neue"/>
+                <a:cs typeface="Helvetica Neue"/>
+                <a:sym typeface="Helvetica Neue"/>
+              </a:rPr>
+              <a:t>- Unterschiede API &amp; Scripting</a:t>
+            </a:r>
+          </a:p>
+          <a:p>
+            <a:r>
+              <a:rPr lang="de-DE" sz="2200" b="0" dirty="0">
+                <a:effectLst/>
+                <a:latin typeface="Helvetica Neue"/>
+                <a:ea typeface="Helvetica Neue"/>
+                <a:cs typeface="Helvetica Neue"/>
+                <a:sym typeface="Helvetica Neue"/>
+              </a:rPr>
+              <a:t>- Keine großen Änderungen in den letzten Versionen</a:t>
+            </a:r>
+          </a:p>
+        </p:txBody>
+      </p:sp>
+    </p:spTree>
+    <p:extLst>
+      <p:ext uri="{BB962C8B-B14F-4D97-AF65-F5344CB8AC3E}">
+        <p14:creationId xmlns:p14="http://schemas.microsoft.com/office/powerpoint/2010/main" val="4186051460"/>
+      </p:ext>
+    </p:extLst>
+  </p:cSld>
+  <p:clrMapOvr>
+    <a:masterClrMapping/>
+  </p:clrMapOvr>
+</p:notes>
+</file>
+
 <file path=ppt/slideLayouts/slideLayout1.xml><?xml version="1.0" encoding="utf-8"?>
 <p:sldLayout xmlns:a="http://schemas.openxmlformats.org/drawingml/2006/main" xmlns:r="http://schemas.openxmlformats.org/officeDocument/2006/relationships" xmlns:p="http://schemas.openxmlformats.org/presentationml/2006/main" type="title">
   <p:cSld name="Titel &amp; Untertitel">
@@ -2284,7 +2501,7 @@
           </a:ln>
           <a:extLst>
             <a:ext uri="{C572A759-6A51-4108-AA02-DFA0A04FC94B}">
-              <ma14:wrappingTextBoxFlag xmlns="" xmlns:m="http://schemas.openxmlformats.org/officeDocument/2006/math" xmlns:a14="http://schemas.microsoft.com/office/drawing/2010/main" xmlns:ma14="http://schemas.microsoft.com/office/mac/drawingml/2011/main" val="1"/>
+              <ma14:wrappingTextBoxFlag xmlns:ma14="http://schemas.microsoft.com/office/mac/drawingml/2011/main" xmlns:a14="http://schemas.microsoft.com/office/drawing/2010/main" xmlns:m="http://schemas.openxmlformats.org/officeDocument/2006/math" xmlns="" val="1"/>
             </a:ext>
           </a:extLst>
         </p:spPr>
@@ -2323,7 +2540,7 @@
           </a:ln>
           <a:extLst>
             <a:ext uri="{C572A759-6A51-4108-AA02-DFA0A04FC94B}">
-              <ma14:wrappingTextBoxFlag xmlns="" xmlns:m="http://schemas.openxmlformats.org/officeDocument/2006/math" xmlns:a14="http://schemas.microsoft.com/office/drawing/2010/main" xmlns:ma14="http://schemas.microsoft.com/office/mac/drawingml/2011/main" val="1"/>
+              <ma14:wrappingTextBoxFlag xmlns:ma14="http://schemas.microsoft.com/office/mac/drawingml/2011/main" xmlns:a14="http://schemas.microsoft.com/office/drawing/2010/main" xmlns:m="http://schemas.openxmlformats.org/officeDocument/2006/math" xmlns="" val="1"/>
             </a:ext>
           </a:extLst>
         </p:spPr>
@@ -3427,7 +3644,7 @@
           </a:ln>
           <a:extLst>
             <a:ext uri="{C572A759-6A51-4108-AA02-DFA0A04FC94B}">
-              <ma14:wrappingTextBoxFlag xmlns="" xmlns:m="http://schemas.openxmlformats.org/officeDocument/2006/math" xmlns:a14="http://schemas.microsoft.com/office/drawing/2010/main" xmlns:ma14="http://schemas.microsoft.com/office/mac/drawingml/2011/main" val="1"/>
+              <ma14:wrappingTextBoxFlag xmlns:ma14="http://schemas.microsoft.com/office/mac/drawingml/2011/main" xmlns:a14="http://schemas.microsoft.com/office/drawing/2010/main" xmlns:m="http://schemas.openxmlformats.org/officeDocument/2006/math" xmlns="" val="1"/>
             </a:ext>
           </a:extLst>
         </p:spPr>
@@ -3511,7 +3728,7 @@
         <p:push/>
       </p:transition>
     </mc:Choice>
-    <mc:Fallback xmlns="" xmlns:m="http://schemas.openxmlformats.org/officeDocument/2006/math" xmlns:a14="http://schemas.microsoft.com/office/drawing/2010/main">
+    <mc:Fallback xmlns:a14="http://schemas.microsoft.com/office/drawing/2010/main" xmlns:m="http://schemas.openxmlformats.org/officeDocument/2006/math" xmlns="">
       <p:transition spd="fast">
         <p:fade/>
       </p:transition>
@@ -3685,7 +3902,7 @@
         <p:push/>
       </p:transition>
     </mc:Choice>
-    <mc:Fallback xmlns="" xmlns:m="http://schemas.openxmlformats.org/officeDocument/2006/math" xmlns:a14="http://schemas.microsoft.com/office/drawing/2010/main">
+    <mc:Fallback xmlns:a14="http://schemas.microsoft.com/office/drawing/2010/main" xmlns:m="http://schemas.openxmlformats.org/officeDocument/2006/math" xmlns="">
       <p:transition spd="fast">
         <p:fade/>
       </p:transition>
@@ -3965,7 +4182,7 @@
         <p:push/>
       </p:transition>
     </mc:Choice>
-    <mc:Fallback xmlns="" xmlns:m="http://schemas.openxmlformats.org/officeDocument/2006/math" xmlns:a14="http://schemas.microsoft.com/office/drawing/2010/main">
+    <mc:Fallback xmlns:a14="http://schemas.microsoft.com/office/drawing/2010/main" xmlns:m="http://schemas.openxmlformats.org/officeDocument/2006/math" xmlns="">
       <p:transition spd="fast">
         <p:fade/>
       </p:transition>
@@ -4134,7 +4351,7 @@
           </a:ln>
           <a:extLst>
             <a:ext uri="{C572A759-6A51-4108-AA02-DFA0A04FC94B}">
-              <ma14:wrappingTextBoxFlag xmlns="" xmlns:m="http://schemas.openxmlformats.org/officeDocument/2006/math" xmlns:a14="http://schemas.microsoft.com/office/drawing/2010/main" xmlns:ma14="http://schemas.microsoft.com/office/mac/drawingml/2011/main" val="1"/>
+              <ma14:wrappingTextBoxFlag xmlns:ma14="http://schemas.microsoft.com/office/mac/drawingml/2011/main" xmlns:a14="http://schemas.microsoft.com/office/drawing/2010/main" xmlns:m="http://schemas.openxmlformats.org/officeDocument/2006/math" xmlns="" val="1"/>
             </a:ext>
           </a:extLst>
         </p:spPr>
@@ -4274,7 +4491,7 @@
           </a:ln>
           <a:extLst>
             <a:ext uri="{C572A759-6A51-4108-AA02-DFA0A04FC94B}">
-              <ma14:wrappingTextBoxFlag xmlns="" xmlns:m="http://schemas.openxmlformats.org/officeDocument/2006/math" xmlns:a14="http://schemas.microsoft.com/office/drawing/2010/main" xmlns:ma14="http://schemas.microsoft.com/office/mac/drawingml/2011/main" val="1"/>
+              <ma14:wrappingTextBoxFlag xmlns:ma14="http://schemas.microsoft.com/office/mac/drawingml/2011/main" xmlns:a14="http://schemas.microsoft.com/office/drawing/2010/main" xmlns:m="http://schemas.openxmlformats.org/officeDocument/2006/math" xmlns="" val="1"/>
             </a:ext>
           </a:extLst>
         </p:spPr>
@@ -4310,7 +4527,7 @@
         <p:push/>
       </p:transition>
     </mc:Choice>
-    <mc:Fallback xmlns="" xmlns:m="http://schemas.openxmlformats.org/officeDocument/2006/math" xmlns:a14="http://schemas.microsoft.com/office/drawing/2010/main">
+    <mc:Fallback xmlns:a14="http://schemas.microsoft.com/office/drawing/2010/main" xmlns:m="http://schemas.openxmlformats.org/officeDocument/2006/math" xmlns="">
       <p:transition spd="fast">
         <p:fade/>
       </p:transition>
@@ -4482,7 +4699,7 @@
         <p:push/>
       </p:transition>
     </mc:Choice>
-    <mc:Fallback xmlns="" xmlns:m="http://schemas.openxmlformats.org/officeDocument/2006/math" xmlns:a14="http://schemas.microsoft.com/office/drawing/2010/main">
+    <mc:Fallback xmlns:a14="http://schemas.microsoft.com/office/drawing/2010/main" xmlns:m="http://schemas.openxmlformats.org/officeDocument/2006/math" xmlns="">
       <p:transition spd="fast">
         <p:fade/>
       </p:transition>
@@ -4595,7 +4812,7 @@
         <p:push/>
       </p:transition>
     </mc:Choice>
-    <mc:Fallback xmlns="" xmlns:m="http://schemas.openxmlformats.org/officeDocument/2006/math" xmlns:a14="http://schemas.microsoft.com/office/drawing/2010/main">
+    <mc:Fallback xmlns:a14="http://schemas.microsoft.com/office/drawing/2010/main" xmlns:m="http://schemas.openxmlformats.org/officeDocument/2006/math" xmlns="">
       <p:transition spd="fast">
         <p:fade/>
       </p:transition>
@@ -4772,7 +4989,7 @@
         <p:push/>
       </p:transition>
     </mc:Choice>
-    <mc:Fallback xmlns="" xmlns:m="http://schemas.openxmlformats.org/officeDocument/2006/math" xmlns:a14="http://schemas.microsoft.com/office/drawing/2010/main">
+    <mc:Fallback xmlns:a14="http://schemas.microsoft.com/office/drawing/2010/main" xmlns:m="http://schemas.openxmlformats.org/officeDocument/2006/math" xmlns="">
       <p:transition spd="fast">
         <p:fade/>
       </p:transition>
@@ -4885,7 +5102,7 @@
         <p:push/>
       </p:transition>
     </mc:Choice>
-    <mc:Fallback xmlns="" xmlns:m="http://schemas.openxmlformats.org/officeDocument/2006/math" xmlns:a14="http://schemas.microsoft.com/office/drawing/2010/main">
+    <mc:Fallback xmlns:a14="http://schemas.microsoft.com/office/drawing/2010/main" xmlns:m="http://schemas.openxmlformats.org/officeDocument/2006/math" xmlns="">
       <p:transition spd="fast">
         <p:fade/>
       </p:transition>
@@ -5041,7 +5258,7 @@
         <p:push/>
       </p:transition>
     </mc:Choice>
-    <mc:Fallback xmlns="" xmlns:m="http://schemas.openxmlformats.org/officeDocument/2006/math" xmlns:a14="http://schemas.microsoft.com/office/drawing/2010/main">
+    <mc:Fallback xmlns:a14="http://schemas.microsoft.com/office/drawing/2010/main" xmlns:m="http://schemas.openxmlformats.org/officeDocument/2006/math" xmlns="">
       <p:transition spd="fast">
         <p:fade/>
       </p:transition>
